--- a/1-2 Setting ChatBot Environment.pptx
+++ b/1-2 Setting ChatBot Environment.pptx
@@ -5921,7 +5921,7 @@
           <a:p>
             <a:fld id="{82604E9E-60DE-417E-849E-2CDE7F357628}" type="datetimeFigureOut">
               <a:rPr lang="en-US" smtClean="0"/>
-              <a:t>7/25/2017</a:t>
+              <a:t>7/27/2017</a:t>
             </a:fld>
             <a:endParaRPr lang="en-US"/>
           </a:p>
@@ -6344,7 +6344,12 @@
               <a:rPr lang="en-US" altLang="ko-KR" dirty="0"/>
               <a:t>home location of Git, This PC – Properties – Change Settings – Advanced – Environment Variables – Variable: Home, Value: location</a:t>
             </a:r>
-            <a:endParaRPr lang="en-US" dirty="0"/>
+          </a:p>
+          <a:p>
+            <a:r>
+              <a:rPr lang="en-US" dirty="0"/>
+              <a:t>Select language: Node.js</a:t>
+            </a:r>
           </a:p>
         </p:txBody>
       </p:sp>
@@ -6727,7 +6732,7 @@
           <a:p>
             <a:fld id="{0D913C1F-5111-45C8-8646-4E60C4FCFD33}" type="datetime1">
               <a:rPr lang="en-US" smtClean="0"/>
-              <a:t>7/25/2017</a:t>
+              <a:t>7/27/2017</a:t>
             </a:fld>
             <a:endParaRPr lang="en-US"/>
           </a:p>
@@ -6902,7 +6907,7 @@
           <a:p>
             <a:fld id="{D3A57730-C926-45F0-9361-C8E6CC7EFAB1}" type="datetime1">
               <a:rPr lang="en-US" smtClean="0"/>
-              <a:t>7/25/2017</a:t>
+              <a:t>7/27/2017</a:t>
             </a:fld>
             <a:endParaRPr lang="en-US"/>
           </a:p>
@@ -7082,7 +7087,7 @@
           <a:p>
             <a:fld id="{72F94769-6EA4-484E-8E33-A5D2CCD7F3B4}" type="datetime1">
               <a:rPr lang="en-US" smtClean="0"/>
-              <a:t>7/25/2017</a:t>
+              <a:t>7/27/2017</a:t>
             </a:fld>
             <a:endParaRPr lang="en-US"/>
           </a:p>
@@ -7252,7 +7257,7 @@
           <a:p>
             <a:fld id="{875CDD8C-CF5A-4DB3-98F8-3A2639B39FE9}" type="datetime1">
               <a:rPr lang="en-US" smtClean="0"/>
-              <a:t>7/25/2017</a:t>
+              <a:t>7/27/2017</a:t>
             </a:fld>
             <a:endParaRPr lang="en-US"/>
           </a:p>
@@ -7520,7 +7525,7 @@
           <a:p>
             <a:fld id="{73567B6B-69B5-4721-8DDE-4EEC9B6DCE0D}" type="datetime1">
               <a:rPr lang="en-US" smtClean="0"/>
-              <a:t>7/25/2017</a:t>
+              <a:t>7/27/2017</a:t>
             </a:fld>
             <a:endParaRPr lang="en-US"/>
           </a:p>
@@ -7752,7 +7757,7 @@
           <a:p>
             <a:fld id="{98DD2B97-22CE-4922-9B75-1DD88489AFD6}" type="datetime1">
               <a:rPr lang="en-US" smtClean="0"/>
-              <a:t>7/25/2017</a:t>
+              <a:t>7/27/2017</a:t>
             </a:fld>
             <a:endParaRPr lang="en-US"/>
           </a:p>
@@ -8111,7 +8116,7 @@
           <a:p>
             <a:fld id="{71335CB9-B160-4C99-9B3C-64E62B2B8AA1}" type="datetime1">
               <a:rPr lang="en-US" smtClean="0"/>
-              <a:t>7/25/2017</a:t>
+              <a:t>7/27/2017</a:t>
             </a:fld>
             <a:endParaRPr lang="en-US"/>
           </a:p>
@@ -8252,7 +8257,7 @@
           <a:p>
             <a:fld id="{AB5FD2A9-980D-4792-8107-6837CF22CACC}" type="datetime1">
               <a:rPr lang="en-US" smtClean="0"/>
-              <a:t>7/25/2017</a:t>
+              <a:t>7/27/2017</a:t>
             </a:fld>
             <a:endParaRPr lang="en-US"/>
           </a:p>
@@ -8347,7 +8352,7 @@
           <a:p>
             <a:fld id="{AE49ADA3-5F6C-44F2-923F-B96DDB41268F}" type="datetime1">
               <a:rPr lang="en-US" smtClean="0"/>
-              <a:t>7/25/2017</a:t>
+              <a:t>7/27/2017</a:t>
             </a:fld>
             <a:endParaRPr lang="en-US"/>
           </a:p>
@@ -8704,7 +8709,7 @@
           <a:p>
             <a:fld id="{CD641920-CFA1-454E-AD47-3EEEB5605BD0}" type="datetime1">
               <a:rPr lang="en-US" smtClean="0"/>
-              <a:t>7/25/2017</a:t>
+              <a:t>7/27/2017</a:t>
             </a:fld>
             <a:endParaRPr lang="en-US"/>
           </a:p>
@@ -9061,7 +9066,7 @@
           <a:p>
             <a:fld id="{F3A5C466-8A77-4A43-A9E6-B875AC354BDD}" type="datetime1">
               <a:rPr lang="en-US" smtClean="0"/>
-              <a:t>7/25/2017</a:t>
+              <a:t>7/27/2017</a:t>
             </a:fld>
             <a:endParaRPr lang="en-US"/>
           </a:p>
@@ -9302,7 +9307,7 @@
           <a:p>
             <a:fld id="{8C1F079E-EE37-4F70-8A6F-71D0624FBE44}" type="datetime1">
               <a:rPr lang="en-US" smtClean="0"/>
-              <a:t>7/25/2017</a:t>
+              <a:t>7/27/2017</a:t>
             </a:fld>
             <a:endParaRPr lang="en-US"/>
           </a:p>

--- a/1-2 Setting ChatBot Environment.pptx
+++ b/1-2 Setting ChatBot Environment.pptx
@@ -5921,7 +5921,7 @@
           <a:p>
             <a:fld id="{82604E9E-60DE-417E-849E-2CDE7F357628}" type="datetimeFigureOut">
               <a:rPr lang="en-US" smtClean="0"/>
-              <a:t>7/27/2017</a:t>
+              <a:t>7/28/2017</a:t>
             </a:fld>
             <a:endParaRPr lang="en-US"/>
           </a:p>
@@ -6438,6 +6438,71 @@
               <a:t>https://korchris.github.io/2017/06/29/FB_chatbot/</a:t>
             </a:r>
           </a:p>
+          <a:p>
+            <a:endParaRPr lang="en-US" dirty="0"/>
+          </a:p>
+          <a:p>
+            <a:r>
+              <a:rPr lang="en-US" dirty="0" err="1"/>
+              <a:t>mkdir</a:t>
+            </a:r>
+            <a:r>
+              <a:rPr lang="en-US" dirty="0"/>
+              <a:t> dev: make directory of name ‘dev’</a:t>
+            </a:r>
+          </a:p>
+          <a:p>
+            <a:r>
+              <a:rPr lang="en-US" dirty="0"/>
+              <a:t>cd dev: go to directory ‘dev’</a:t>
+            </a:r>
+          </a:p>
+          <a:p>
+            <a:r>
+              <a:rPr lang="en-US" dirty="0" err="1"/>
+              <a:t>npm</a:t>
+            </a:r>
+            <a:r>
+              <a:rPr lang="en-US" dirty="0"/>
+              <a:t> install </a:t>
+            </a:r>
+            <a:r>
+              <a:rPr lang="en-US" dirty="0" err="1"/>
+              <a:t>npm</a:t>
+            </a:r>
+            <a:r>
+              <a:rPr lang="en-US" dirty="0"/>
+              <a:t> : install package manager</a:t>
+            </a:r>
+          </a:p>
+          <a:p>
+            <a:r>
+              <a:rPr lang="en-US" dirty="0" err="1"/>
+              <a:t>npm</a:t>
+            </a:r>
+            <a:r>
+              <a:rPr lang="en-US" dirty="0"/>
+              <a:t> </a:t>
+            </a:r>
+            <a:r>
+              <a:rPr lang="en-US" dirty="0" err="1"/>
+              <a:t>init</a:t>
+            </a:r>
+            <a:r>
+              <a:rPr lang="en-US" dirty="0"/>
+              <a:t>: set main code file as ‘app.js’</a:t>
+            </a:r>
+          </a:p>
+          <a:p>
+            <a:r>
+              <a:rPr lang="en-US" dirty="0" err="1"/>
+              <a:t>npm</a:t>
+            </a:r>
+            <a:r>
+              <a:rPr lang="en-US" dirty="0"/>
+              <a:t> install express, … : install packages</a:t>
+            </a:r>
+          </a:p>
         </p:txBody>
       </p:sp>
       <p:sp>
@@ -6732,7 +6797,7 @@
           <a:p>
             <a:fld id="{0D913C1F-5111-45C8-8646-4E60C4FCFD33}" type="datetime1">
               <a:rPr lang="en-US" smtClean="0"/>
-              <a:t>7/27/2017</a:t>
+              <a:t>7/28/2017</a:t>
             </a:fld>
             <a:endParaRPr lang="en-US"/>
           </a:p>
@@ -6907,7 +6972,7 @@
           <a:p>
             <a:fld id="{D3A57730-C926-45F0-9361-C8E6CC7EFAB1}" type="datetime1">
               <a:rPr lang="en-US" smtClean="0"/>
-              <a:t>7/27/2017</a:t>
+              <a:t>7/28/2017</a:t>
             </a:fld>
             <a:endParaRPr lang="en-US"/>
           </a:p>
@@ -7087,7 +7152,7 @@
           <a:p>
             <a:fld id="{72F94769-6EA4-484E-8E33-A5D2CCD7F3B4}" type="datetime1">
               <a:rPr lang="en-US" smtClean="0"/>
-              <a:t>7/27/2017</a:t>
+              <a:t>7/28/2017</a:t>
             </a:fld>
             <a:endParaRPr lang="en-US"/>
           </a:p>
@@ -7257,7 +7322,7 @@
           <a:p>
             <a:fld id="{875CDD8C-CF5A-4DB3-98F8-3A2639B39FE9}" type="datetime1">
               <a:rPr lang="en-US" smtClean="0"/>
-              <a:t>7/27/2017</a:t>
+              <a:t>7/28/2017</a:t>
             </a:fld>
             <a:endParaRPr lang="en-US"/>
           </a:p>
@@ -7525,7 +7590,7 @@
           <a:p>
             <a:fld id="{73567B6B-69B5-4721-8DDE-4EEC9B6DCE0D}" type="datetime1">
               <a:rPr lang="en-US" smtClean="0"/>
-              <a:t>7/27/2017</a:t>
+              <a:t>7/28/2017</a:t>
             </a:fld>
             <a:endParaRPr lang="en-US"/>
           </a:p>
@@ -7757,7 +7822,7 @@
           <a:p>
             <a:fld id="{98DD2B97-22CE-4922-9B75-1DD88489AFD6}" type="datetime1">
               <a:rPr lang="en-US" smtClean="0"/>
-              <a:t>7/27/2017</a:t>
+              <a:t>7/28/2017</a:t>
             </a:fld>
             <a:endParaRPr lang="en-US"/>
           </a:p>
@@ -8116,7 +8181,7 @@
           <a:p>
             <a:fld id="{71335CB9-B160-4C99-9B3C-64E62B2B8AA1}" type="datetime1">
               <a:rPr lang="en-US" smtClean="0"/>
-              <a:t>7/27/2017</a:t>
+              <a:t>7/28/2017</a:t>
             </a:fld>
             <a:endParaRPr lang="en-US"/>
           </a:p>
@@ -8257,7 +8322,7 @@
           <a:p>
             <a:fld id="{AB5FD2A9-980D-4792-8107-6837CF22CACC}" type="datetime1">
               <a:rPr lang="en-US" smtClean="0"/>
-              <a:t>7/27/2017</a:t>
+              <a:t>7/28/2017</a:t>
             </a:fld>
             <a:endParaRPr lang="en-US"/>
           </a:p>
@@ -8352,7 +8417,7 @@
           <a:p>
             <a:fld id="{AE49ADA3-5F6C-44F2-923F-B96DDB41268F}" type="datetime1">
               <a:rPr lang="en-US" smtClean="0"/>
-              <a:t>7/27/2017</a:t>
+              <a:t>7/28/2017</a:t>
             </a:fld>
             <a:endParaRPr lang="en-US"/>
           </a:p>
@@ -8709,7 +8774,7 @@
           <a:p>
             <a:fld id="{CD641920-CFA1-454E-AD47-3EEEB5605BD0}" type="datetime1">
               <a:rPr lang="en-US" smtClean="0"/>
-              <a:t>7/27/2017</a:t>
+              <a:t>7/28/2017</a:t>
             </a:fld>
             <a:endParaRPr lang="en-US"/>
           </a:p>
@@ -9066,7 +9131,7 @@
           <a:p>
             <a:fld id="{F3A5C466-8A77-4A43-A9E6-B875AC354BDD}" type="datetime1">
               <a:rPr lang="en-US" smtClean="0"/>
-              <a:t>7/27/2017</a:t>
+              <a:t>7/28/2017</a:t>
             </a:fld>
             <a:endParaRPr lang="en-US"/>
           </a:p>
@@ -9307,7 +9372,7 @@
           <a:p>
             <a:fld id="{8C1F079E-EE37-4F70-8A6F-71D0624FBE44}" type="datetime1">
               <a:rPr lang="en-US" smtClean="0"/>
-              <a:t>7/27/2017</a:t>
+              <a:t>7/28/2017</a:t>
             </a:fld>
             <a:endParaRPr lang="en-US"/>
           </a:p>
